--- a/Lecture-27/Lecture-27.pptx
+++ b/Lecture-27/Lecture-27.pptx
@@ -1254,7 +1254,12 @@
             <p:ph type="sldImg"/>
           </p:nvPr>
         </p:nvSpPr>
-        <p:spPr/>
+        <p:spPr>
+          <a:xfrm>
+            <a:off x="381000" y="685800"/>
+            <a:ext cx="6096000" cy="3429000"/>
+          </a:xfrm>
+        </p:spPr>
       </p:sp>
       <p:sp>
         <p:nvSpPr>
@@ -10777,7 +10782,7 @@
           <a:p>
             <a:fld id="{7E3D4EF1-0385-43D3-A179-699E3F2FE344}" type="datetime1">
               <a:rPr lang="en-IN" smtClean="0"/>
-              <a:t>13-11-2024</a:t>
+              <a:t>14-11-2024</a:t>
             </a:fld>
             <a:endParaRPr lang="en-IN" dirty="0"/>
           </a:p>
